--- a/Later/JavaIO/JavaIO_5/Java FileInputStream class.pptx
+++ b/Later/JavaIO/JavaIO_5/Java FileInputStream class.pptx
@@ -3874,11 +3874,7 @@
             <a:pPr algn="ctr"/>
             <a:r>
               <a:rPr lang="en-US" sz="1200" dirty="0"/>
-              <a:t>Java </a:t>
-            </a:r>
-            <a:r>
-              <a:rPr lang="en-US" sz="1200" dirty="0"/>
-              <a:t>FileInputStream </a:t>
+              <a:t>Java FileInputStream </a:t>
             </a:r>
             <a:r>
               <a:rPr lang="en-US" sz="1200" dirty="0" smtClean="0"/>
@@ -3926,7 +3922,6 @@
               <a:rPr lang="en-US" sz="1200" dirty="0"/>
               <a:t>Peter is going to India</a:t>
             </a:r>
-            <a:endParaRPr lang="en-US" sz="1200" dirty="0"/>
           </a:p>
         </p:txBody>
       </p:sp>
@@ -4099,7 +4094,6 @@
               <a:rPr lang="en-US" sz="1200" dirty="0"/>
               <a:t>010101011011</a:t>
             </a:r>
-            <a:endParaRPr lang="en-US" sz="1200" dirty="0"/>
           </a:p>
         </p:txBody>
       </p:sp>
@@ -4279,15 +4273,7 @@
             </a:pPr>
             <a:r>
               <a:rPr lang="en-US" sz="1200" dirty="0"/>
-              <a:t>A </a:t>
-            </a:r>
-            <a:r>
-              <a:rPr lang="en-US" sz="1200" dirty="0"/>
-              <a:t>FileInputStream</a:t>
-            </a:r>
-            <a:r>
-              <a:rPr lang="en-US" sz="1200" dirty="0"/>
-              <a:t> obtains input bytes from a file in a file system</a:t>
+              <a:t>A FileInputStream obtains input bytes from a file in a file system</a:t>
             </a:r>
             <a:r>
               <a:rPr lang="en-US" sz="1200" dirty="0" smtClean="0"/>
@@ -4308,11 +4294,7 @@
             </a:pPr>
             <a:r>
               <a:rPr lang="en-US" sz="1200" dirty="0"/>
-              <a:t>FileInputStream</a:t>
-            </a:r>
-            <a:r>
-              <a:rPr lang="en-US" sz="1200" dirty="0"/>
-              <a:t> is meant for reading streams of raw bytes such as image data. For reading streams of characters, consider </a:t>
+              <a:t>FileInputStream is meant for reading streams of raw bytes such as image data. For reading streams of characters, consider </a:t>
             </a:r>
             <a:r>
               <a:rPr lang="en-US" sz="1200" dirty="0" smtClean="0"/>
@@ -4331,6 +4313,48 @@
             <a:r>
               <a:rPr lang="en-US" sz="1200" dirty="0"/>
               <a:t>It should be used to read byte-oriented data for example to read image, audio, video etc.</a:t>
+            </a:r>
+          </a:p>
+        </p:txBody>
+      </p:sp>
+      <p:sp>
+        <p:nvSpPr>
+          <p:cNvPr id="13" name="TextBox 12"/>
+          <p:cNvSpPr txBox="1"/>
+          <p:nvPr/>
+        </p:nvSpPr>
+        <p:spPr>
+          <a:xfrm>
+            <a:off x="3162300" y="979475"/>
+            <a:ext cx="496161" cy="276999"/>
+          </a:xfrm>
+          <a:prstGeom prst="rect">
+            <a:avLst/>
+          </a:prstGeom>
+        </p:spPr>
+        <p:style>
+          <a:lnRef idx="1">
+            <a:schemeClr val="accent2"/>
+          </a:lnRef>
+          <a:fillRef idx="3">
+            <a:schemeClr val="accent2"/>
+          </a:fillRef>
+          <a:effectRef idx="2">
+            <a:schemeClr val="accent2"/>
+          </a:effectRef>
+          <a:fontRef idx="minor">
+            <a:schemeClr val="lt1"/>
+          </a:fontRef>
+        </p:style>
+        <p:txBody>
+          <a:bodyPr wrap="none" rtlCol="0">
+            <a:spAutoFit/>
+          </a:bodyPr>
+          <a:lstStyle/>
+          <a:p>
+            <a:r>
+              <a:rPr lang="en-US" sz="1200" dirty="0" smtClean="0"/>
+              <a:t>Read</a:t>
             </a:r>
             <a:endParaRPr lang="en-US" sz="1200" dirty="0"/>
           </a:p>
@@ -4419,11 +4443,7 @@
             <a:pPr algn="ctr"/>
             <a:r>
               <a:rPr lang="en-US" sz="1200" dirty="0"/>
-              <a:t>Java </a:t>
-            </a:r>
-            <a:r>
-              <a:rPr lang="en-US" sz="1200" dirty="0"/>
-              <a:t>FileInputStream </a:t>
+              <a:t>Java FileInputStream </a:t>
             </a:r>
             <a:r>
               <a:rPr lang="en-US" sz="1200" dirty="0" smtClean="0"/>
@@ -4608,11 +4628,7 @@
             <a:pPr algn="ctr"/>
             <a:r>
               <a:rPr lang="en-US" sz="1200" dirty="0"/>
-              <a:t>Java </a:t>
-            </a:r>
-            <a:r>
-              <a:rPr lang="en-US" sz="1200" dirty="0"/>
-              <a:t>FileInputStream </a:t>
+              <a:t>Java FileInputStream </a:t>
             </a:r>
             <a:r>
               <a:rPr lang="en-US" sz="1200" dirty="0" smtClean="0"/>
@@ -4751,11 +4767,7 @@
             <a:pPr algn="ctr"/>
             <a:r>
               <a:rPr lang="en-US" sz="1200" dirty="0"/>
-              <a:t>Java </a:t>
-            </a:r>
-            <a:r>
-              <a:rPr lang="en-US" sz="1200" dirty="0"/>
-              <a:t>FileInputStream </a:t>
+              <a:t>Java FileInputStream </a:t>
             </a:r>
             <a:r>
               <a:rPr lang="en-US" sz="1200" dirty="0" smtClean="0"/>

--- a/Later/JavaIO/JavaIO_5/Java FileInputStream class.pptx
+++ b/Later/JavaIO/JavaIO_5/Java FileInputStream class.pptx
@@ -195,7 +195,7 @@
           <a:p>
             <a:fld id="{62274EC6-3890-417B-9308-14EFBD00FA63}" type="datetimeFigureOut">
               <a:rPr lang="en-US" smtClean="0"/>
-              <a:t>6/14/2016</a:t>
+              <a:t>6/17/2016</a:t>
             </a:fld>
             <a:endParaRPr lang="en-US" dirty="0"/>
           </a:p>
@@ -1001,7 +1001,7 @@
             <a:fld id="{1D8BD707-D9CF-40AE-B4C6-C98DA3205C09}" type="datetimeFigureOut">
               <a:rPr lang="en-US" smtClean="0"/>
               <a:pPr/>
-              <a:t>6/14/2016</a:t>
+              <a:t>6/17/2016</a:t>
             </a:fld>
             <a:endParaRPr lang="en-US" dirty="0"/>
           </a:p>
@@ -1173,7 +1173,7 @@
             <a:fld id="{1D8BD707-D9CF-40AE-B4C6-C98DA3205C09}" type="datetimeFigureOut">
               <a:rPr lang="en-US" smtClean="0"/>
               <a:pPr/>
-              <a:t>6/14/2016</a:t>
+              <a:t>6/17/2016</a:t>
             </a:fld>
             <a:endParaRPr lang="en-US" dirty="0"/>
           </a:p>
@@ -1355,7 +1355,7 @@
             <a:fld id="{1D8BD707-D9CF-40AE-B4C6-C98DA3205C09}" type="datetimeFigureOut">
               <a:rPr lang="en-US" smtClean="0"/>
               <a:pPr/>
-              <a:t>6/14/2016</a:t>
+              <a:t>6/17/2016</a:t>
             </a:fld>
             <a:endParaRPr lang="en-US" dirty="0"/>
           </a:p>
@@ -1527,7 +1527,7 @@
             <a:fld id="{1D8BD707-D9CF-40AE-B4C6-C98DA3205C09}" type="datetimeFigureOut">
               <a:rPr lang="en-US" smtClean="0"/>
               <a:pPr/>
-              <a:t>6/14/2016</a:t>
+              <a:t>6/17/2016</a:t>
             </a:fld>
             <a:endParaRPr lang="en-US" dirty="0"/>
           </a:p>
@@ -1775,7 +1775,7 @@
             <a:fld id="{1D8BD707-D9CF-40AE-B4C6-C98DA3205C09}" type="datetimeFigureOut">
               <a:rPr lang="en-US" smtClean="0"/>
               <a:pPr/>
-              <a:t>6/14/2016</a:t>
+              <a:t>6/17/2016</a:t>
             </a:fld>
             <a:endParaRPr lang="en-US" dirty="0"/>
           </a:p>
@@ -2065,7 +2065,7 @@
             <a:fld id="{1D8BD707-D9CF-40AE-B4C6-C98DA3205C09}" type="datetimeFigureOut">
               <a:rPr lang="en-US" smtClean="0"/>
               <a:pPr/>
-              <a:t>6/14/2016</a:t>
+              <a:t>6/17/2016</a:t>
             </a:fld>
             <a:endParaRPr lang="en-US" dirty="0"/>
           </a:p>
@@ -2494,7 +2494,7 @@
             <a:fld id="{1D8BD707-D9CF-40AE-B4C6-C98DA3205C09}" type="datetimeFigureOut">
               <a:rPr lang="en-US" smtClean="0"/>
               <a:pPr/>
-              <a:t>6/14/2016</a:t>
+              <a:t>6/17/2016</a:t>
             </a:fld>
             <a:endParaRPr lang="en-US" dirty="0"/>
           </a:p>
@@ -2614,7 +2614,7 @@
             <a:fld id="{1D8BD707-D9CF-40AE-B4C6-C98DA3205C09}" type="datetimeFigureOut">
               <a:rPr lang="en-US" smtClean="0"/>
               <a:pPr/>
-              <a:t>6/14/2016</a:t>
+              <a:t>6/17/2016</a:t>
             </a:fld>
             <a:endParaRPr lang="en-US" dirty="0"/>
           </a:p>
@@ -2711,7 +2711,7 @@
             <a:fld id="{1D8BD707-D9CF-40AE-B4C6-C98DA3205C09}" type="datetimeFigureOut">
               <a:rPr lang="en-US" smtClean="0"/>
               <a:pPr/>
-              <a:t>6/14/2016</a:t>
+              <a:t>6/17/2016</a:t>
             </a:fld>
             <a:endParaRPr lang="en-US" dirty="0"/>
           </a:p>
@@ -2990,7 +2990,7 @@
             <a:fld id="{1D8BD707-D9CF-40AE-B4C6-C98DA3205C09}" type="datetimeFigureOut">
               <a:rPr lang="en-US" smtClean="0"/>
               <a:pPr/>
-              <a:t>6/14/2016</a:t>
+              <a:t>6/17/2016</a:t>
             </a:fld>
             <a:endParaRPr lang="en-US" dirty="0"/>
           </a:p>
@@ -3245,7 +3245,7 @@
             <a:fld id="{1D8BD707-D9CF-40AE-B4C6-C98DA3205C09}" type="datetimeFigureOut">
               <a:rPr lang="en-US" smtClean="0"/>
               <a:pPr/>
-              <a:t>6/14/2016</a:t>
+              <a:t>6/17/2016</a:t>
             </a:fld>
             <a:endParaRPr lang="en-US" dirty="0"/>
           </a:p>
@@ -3460,7 +3460,7 @@
             <a:fld id="{1D8BD707-D9CF-40AE-B4C6-C98DA3205C09}" type="datetimeFigureOut">
               <a:rPr lang="en-US" smtClean="0"/>
               <a:pPr/>
-              <a:t>6/14/2016</a:t>
+              <a:t>6/17/2016</a:t>
             </a:fld>
             <a:endParaRPr lang="en-US" dirty="0"/>
           </a:p>
@@ -4800,8 +4800,9 @@
           <a:p>
             <a:r>
               <a:rPr lang="en-US" dirty="0"/>
-              <a:t>https://docs.oracle.com/javase/8/docs/api/index.html?java/io/InputStream.html</a:t>
-            </a:r>
+              <a:t>https://docs.oracle.com/javase/8/docs/api/java/io/FileInputStream.html</a:t>
+            </a:r>
+            <a:endParaRPr lang="en-US" dirty="0"/>
           </a:p>
         </p:txBody>
       </p:sp>
